--- a/db_Checkpoint.pptx
+++ b/db_Checkpoint.pptx
@@ -203,7 +203,7 @@
           <a:p>
             <a:fld id="{803CB66B-815C-416D-BF39-43ED580A2E2A}" type="datetimeFigureOut">
               <a:rPr lang="en-US" smtClean="0"/>
-              <a:t>7/10/2022</a:t>
+              <a:t>7/11/2022</a:t>
             </a:fld>
             <a:endParaRPr lang="en-US"/>
           </a:p>
@@ -742,7 +742,7 @@
           <a:p>
             <a:fld id="{17272D42-42DA-48F8-95D8-15107DCFA77B}" type="datetimeFigureOut">
               <a:rPr lang="fr-FR" smtClean="0"/>
-              <a:t>10/07/2022</a:t>
+              <a:t>11/07/2022</a:t>
             </a:fld>
             <a:endParaRPr lang="fr-FR"/>
           </a:p>
@@ -1080,7 +1080,7 @@
           <a:p>
             <a:fld id="{17272D42-42DA-48F8-95D8-15107DCFA77B}" type="datetimeFigureOut">
               <a:rPr lang="fr-FR" smtClean="0"/>
-              <a:t>10/07/2022</a:t>
+              <a:t>11/07/2022</a:t>
             </a:fld>
             <a:endParaRPr lang="fr-FR"/>
           </a:p>
@@ -1481,7 +1481,7 @@
           <a:p>
             <a:fld id="{17272D42-42DA-48F8-95D8-15107DCFA77B}" type="datetimeFigureOut">
               <a:rPr lang="fr-FR" smtClean="0"/>
-              <a:t>10/07/2022</a:t>
+              <a:t>11/07/2022</a:t>
             </a:fld>
             <a:endParaRPr lang="fr-FR"/>
           </a:p>
@@ -1817,7 +1817,7 @@
           <a:p>
             <a:fld id="{17272D42-42DA-48F8-95D8-15107DCFA77B}" type="datetimeFigureOut">
               <a:rPr lang="fr-FR" smtClean="0"/>
-              <a:t>10/07/2022</a:t>
+              <a:t>11/07/2022</a:t>
             </a:fld>
             <a:endParaRPr lang="fr-FR"/>
           </a:p>
@@ -2137,7 +2137,7 @@
           <a:p>
             <a:fld id="{17272D42-42DA-48F8-95D8-15107DCFA77B}" type="datetimeFigureOut">
               <a:rPr lang="fr-FR" smtClean="0"/>
-              <a:t>10/07/2022</a:t>
+              <a:t>11/07/2022</a:t>
             </a:fld>
             <a:endParaRPr lang="fr-FR"/>
           </a:p>
@@ -2533,7 +2533,7 @@
           <a:p>
             <a:fld id="{17272D42-42DA-48F8-95D8-15107DCFA77B}" type="datetimeFigureOut">
               <a:rPr lang="fr-FR" smtClean="0"/>
-              <a:t>10/07/2022</a:t>
+              <a:t>11/07/2022</a:t>
             </a:fld>
             <a:endParaRPr lang="fr-FR"/>
           </a:p>
@@ -2790,7 +2790,7 @@
           <a:p>
             <a:fld id="{17272D42-42DA-48F8-95D8-15107DCFA77B}" type="datetimeFigureOut">
               <a:rPr lang="fr-FR" smtClean="0"/>
-              <a:t>10/07/2022</a:t>
+              <a:t>11/07/2022</a:t>
             </a:fld>
             <a:endParaRPr lang="fr-FR"/>
           </a:p>
@@ -3052,7 +3052,7 @@
           <a:p>
             <a:fld id="{17272D42-42DA-48F8-95D8-15107DCFA77B}" type="datetimeFigureOut">
               <a:rPr lang="fr-FR" smtClean="0"/>
-              <a:t>10/07/2022</a:t>
+              <a:t>11/07/2022</a:t>
             </a:fld>
             <a:endParaRPr lang="fr-FR"/>
           </a:p>
@@ -3314,7 +3314,7 @@
           <a:p>
             <a:fld id="{17272D42-42DA-48F8-95D8-15107DCFA77B}" type="datetimeFigureOut">
               <a:rPr lang="fr-FR" smtClean="0"/>
-              <a:t>10/07/2022</a:t>
+              <a:t>11/07/2022</a:t>
             </a:fld>
             <a:endParaRPr lang="fr-FR"/>
           </a:p>
@@ -3643,7 +3643,7 @@
           <a:p>
             <a:fld id="{17272D42-42DA-48F8-95D8-15107DCFA77B}" type="datetimeFigureOut">
               <a:rPr lang="fr-FR" smtClean="0"/>
-              <a:t>10/07/2022</a:t>
+              <a:t>11/07/2022</a:t>
             </a:fld>
             <a:endParaRPr lang="fr-FR"/>
           </a:p>
@@ -3966,7 +3966,7 @@
           <a:p>
             <a:fld id="{17272D42-42DA-48F8-95D8-15107DCFA77B}" type="datetimeFigureOut">
               <a:rPr lang="fr-FR" smtClean="0"/>
-              <a:t>10/07/2022</a:t>
+              <a:t>11/07/2022</a:t>
             </a:fld>
             <a:endParaRPr lang="fr-FR"/>
           </a:p>
@@ -4423,7 +4423,7 @@
           <a:p>
             <a:fld id="{17272D42-42DA-48F8-95D8-15107DCFA77B}" type="datetimeFigureOut">
               <a:rPr lang="fr-FR" smtClean="0"/>
-              <a:t>10/07/2022</a:t>
+              <a:t>11/07/2022</a:t>
             </a:fld>
             <a:endParaRPr lang="fr-FR"/>
           </a:p>
@@ -4628,7 +4628,7 @@
           <a:p>
             <a:fld id="{17272D42-42DA-48F8-95D8-15107DCFA77B}" type="datetimeFigureOut">
               <a:rPr lang="fr-FR" smtClean="0"/>
-              <a:t>10/07/2022</a:t>
+              <a:t>11/07/2022</a:t>
             </a:fld>
             <a:endParaRPr lang="fr-FR"/>
           </a:p>
@@ -4805,7 +4805,7 @@
           <a:p>
             <a:fld id="{17272D42-42DA-48F8-95D8-15107DCFA77B}" type="datetimeFigureOut">
               <a:rPr lang="fr-FR" smtClean="0"/>
-              <a:t>10/07/2022</a:t>
+              <a:t>11/07/2022</a:t>
             </a:fld>
             <a:endParaRPr lang="fr-FR"/>
           </a:p>
@@ -5138,7 +5138,7 @@
           <a:p>
             <a:fld id="{17272D42-42DA-48F8-95D8-15107DCFA77B}" type="datetimeFigureOut">
               <a:rPr lang="fr-FR" smtClean="0"/>
-              <a:t>10/07/2022</a:t>
+              <a:t>11/07/2022</a:t>
             </a:fld>
             <a:endParaRPr lang="fr-FR"/>
           </a:p>
@@ -5483,7 +5483,7 @@
           <a:p>
             <a:fld id="{17272D42-42DA-48F8-95D8-15107DCFA77B}" type="datetimeFigureOut">
               <a:rPr lang="fr-FR" smtClean="0"/>
-              <a:t>10/07/2022</a:t>
+              <a:t>11/07/2022</a:t>
             </a:fld>
             <a:endParaRPr lang="fr-FR"/>
           </a:p>
@@ -7600,7 +7600,7 @@
           <a:p>
             <a:fld id="{17272D42-42DA-48F8-95D8-15107DCFA77B}" type="datetimeFigureOut">
               <a:rPr lang="fr-FR" smtClean="0"/>
-              <a:t>10/07/2022</a:t>
+              <a:t>11/07/2022</a:t>
             </a:fld>
             <a:endParaRPr lang="fr-FR"/>
           </a:p>
@@ -8230,12 +8230,8 @@
           <a:lstStyle/>
           <a:p>
             <a:r>
-              <a:rPr lang="fr-FR" dirty="0" err="1"/>
-              <a:t>Barwaki</a:t>
-            </a:r>
-            <a:r>
               <a:rPr lang="fr-FR" dirty="0"/>
-              <a:t> Mehdi</a:t>
+              <a:t>Youssef DHAOU</a:t>
             </a:r>
           </a:p>
         </p:txBody>
